--- a/4. Hands-on Modules/1. Pre-Lab Work/2. Pre-lab Module.pptx
+++ b/4. Hands-on Modules/1. Pre-Lab Work/2. Pre-lab Module.pptx
@@ -219,7 +219,7 @@
           <a:p>
             <a:fld id="{52A13B17-C506-4D51-BB37-16B365906619}" type="datetimeFigureOut">
               <a:rPr lang="en-US" smtClean="0"/>
-              <a:t>2/27/2019</a:t>
+              <a:t>3/4/2019</a:t>
             </a:fld>
             <a:endParaRPr lang="en-US"/>
           </a:p>
@@ -768,7 +768,7 @@
           <a:p>
             <a:fld id="{35A2D088-BDBD-41A5-ADCE-5C6A4DC08057}" type="datetime8">
               <a:rPr lang="en-US" smtClean="0"/>
-              <a:t>2/27/2019 8:05 PM</a:t>
+              <a:t>3/4/2019 11:55 AM</a:t>
             </a:fld>
             <a:endParaRPr lang="en-US" dirty="0"/>
           </a:p>
@@ -1033,7 +1033,7 @@
           <a:p>
             <a:fld id="{35A2D088-BDBD-41A5-ADCE-5C6A4DC08057}" type="datetime8">
               <a:rPr lang="en-US" smtClean="0"/>
-              <a:t>2/27/2019 8:05 PM</a:t>
+              <a:t>3/4/2019 11:55 AM</a:t>
             </a:fld>
             <a:endParaRPr lang="en-US" dirty="0"/>
           </a:p>
@@ -1183,7 +1183,7 @@
                   <a:prstClr val="black"/>
                 </a:solidFill>
               </a:rPr>
-              <a:t>2/27/2019 8:05 PM</a:t>
+              <a:t>3/4/2019 11:55 AM</a:t>
             </a:fld>
             <a:endParaRPr lang="en-US" dirty="0">
               <a:solidFill>
@@ -11329,7 +11329,7 @@
             <a:fld id="{2E809A50-B28D-413A-915D-87F91E5248C6}" type="datetimeFigureOut">
               <a:rPr lang="en-US" smtClean="0"/>
               <a:pPr/>
-              <a:t>2/27/2019</a:t>
+              <a:t>3/4/2019</a:t>
             </a:fld>
             <a:endParaRPr lang="en-US"/>
           </a:p>
@@ -11516,7 +11516,7 @@
           <a:p>
             <a:fld id="{1279C872-40C5-4778-A459-913B2790679C}" type="datetimeFigureOut">
               <a:rPr lang="en-US" smtClean="0"/>
-              <a:t>2/27/2019</a:t>
+              <a:t>3/4/2019</a:t>
             </a:fld>
             <a:endParaRPr lang="en-US"/>
           </a:p>
@@ -13906,27 +13906,37 @@
           <a:lstStyle/>
           <a:p>
             <a:r>
-              <a:rPr lang="en-US" sz="2000" dirty="0"/>
+              <a:rPr lang="en-US" sz="2000" dirty="0">
+                <a:latin typeface="+mn-lt"/>
+              </a:rPr>
               <a:t>Download both Workbooks onto your local drive</a:t>
             </a:r>
           </a:p>
           <a:p>
             <a:r>
-              <a:rPr lang="en-US" sz="2000" dirty="0"/>
+              <a:rPr lang="en-US" sz="2000" dirty="0">
+                <a:latin typeface="+mn-lt"/>
+              </a:rPr>
               <a:t>Open the first Workbook by double-clicking the file (or navigate to File-&gt;Open from Power BI and navigate to the .</a:t>
             </a:r>
             <a:r>
-              <a:rPr lang="en-US" sz="2000" dirty="0" err="1"/>
+              <a:rPr lang="en-US" sz="2000" dirty="0" err="1">
+                <a:latin typeface="+mn-lt"/>
+              </a:rPr>
               <a:t>pbix</a:t>
             </a:r>
             <a:r>
-              <a:rPr lang="en-US" sz="2000" dirty="0"/>
+              <a:rPr lang="en-US" sz="2000" dirty="0">
+                <a:latin typeface="+mn-lt"/>
+              </a:rPr>
               <a:t> file)</a:t>
             </a:r>
           </a:p>
           <a:p>
             <a:r>
-              <a:rPr lang="en-US" sz="2000" dirty="0"/>
+              <a:rPr lang="en-US" sz="2000" dirty="0">
+                <a:latin typeface="+mn-lt"/>
+              </a:rPr>
               <a:t>Publish the Workbook to your Workspace by clicking “Publish” in the Quick Access Toolbar and selecting a Workspace available to your account</a:t>
             </a:r>
           </a:p>
@@ -13956,16 +13966,13 @@
           <a:lstStyle/>
           <a:p>
             <a:r>
-              <a:rPr lang="en-US" sz="4400" b="1" dirty="0">
-                <a:latin typeface="+mn-lt"/>
-              </a:rPr>
+              <a:rPr lang="en-US" sz="4400" b="1" dirty="0"/>
               <a:t>Import Workbook</a:t>
             </a:r>
             <a:endParaRPr lang="en-US" sz="4400" kern="1200" dirty="0">
               <a:solidFill>
                 <a:schemeClr val="tx1"/>
               </a:solidFill>
-              <a:latin typeface="+mn-lt"/>
               <a:ea typeface="+mj-ea"/>
               <a:cs typeface="+mj-cs"/>
             </a:endParaRPr>
@@ -14140,6 +14147,7 @@
                 <a:solidFill>
                   <a:schemeClr val="tx1"/>
                 </a:solidFill>
+                <a:latin typeface="+mn-lt"/>
               </a:rPr>
               <a:t>Download the Web App files onto your local drive</a:t>
             </a:r>
@@ -14150,6 +14158,7 @@
                 <a:solidFill>
                   <a:schemeClr val="tx1"/>
                 </a:solidFill>
+                <a:latin typeface="+mn-lt"/>
               </a:rPr>
               <a:t>Use </a:t>
             </a:r>
@@ -14158,6 +14167,7 @@
                 <a:solidFill>
                   <a:schemeClr val="tx1"/>
                 </a:solidFill>
+                <a:latin typeface="+mn-lt"/>
                 <a:hlinkClick r:id="rId2">
                   <a:extLst>
                     <a:ext uri="{A12FA001-AC4F-418D-AE19-62706E023703}">
@@ -14166,13 +14176,23 @@
                   </a:extLst>
                 </a:hlinkClick>
               </a:rPr>
-              <a:t>Visual Studio Code </a:t>
+              <a:t>Visual Studio Code</a:t>
+            </a:r>
+            <a:r>
+              <a:rPr lang="en-US" sz="2000" b="1" dirty="0">
+                <a:solidFill>
+                  <a:schemeClr val="tx1"/>
+                </a:solidFill>
+                <a:latin typeface="+mn-lt"/>
+              </a:rPr>
+              <a:t> </a:t>
             </a:r>
             <a:r>
               <a:rPr lang="en-US" sz="2000" dirty="0">
                 <a:solidFill>
                   <a:schemeClr val="tx1"/>
                 </a:solidFill>
+                <a:latin typeface="+mn-lt"/>
               </a:rPr>
               <a:t>or your favorite editor to open the Web App folder into the Explorer</a:t>
             </a:r>
@@ -14207,7 +14227,6 @@
                 <a:solidFill>
                   <a:schemeClr val="tx1"/>
                 </a:solidFill>
-                <a:latin typeface="+mn-lt"/>
                 <a:ea typeface="+mj-ea"/>
                 <a:cs typeface="+mj-cs"/>
               </a:rPr>
@@ -14217,7 +14236,6 @@
               <a:solidFill>
                 <a:schemeClr val="tx1"/>
               </a:solidFill>
-              <a:latin typeface="+mn-lt"/>
               <a:ea typeface="+mj-ea"/>
               <a:cs typeface="+mj-cs"/>
             </a:endParaRPr>
@@ -14503,7 +14521,6 @@
                 <a:solidFill>
                   <a:schemeClr val="tx1"/>
                 </a:solidFill>
-                <a:latin typeface="Segoe UI Light" panose="020B0502040204020203" pitchFamily="34" charset="0"/>
                 <a:cs typeface="Segoe UI Light" panose="020B0502040204020203" pitchFamily="34" charset="0"/>
               </a:rPr>
               <a:t>Abstract and learning objectives</a:t>
@@ -14649,7 +14666,7 @@
             <p:ph idx="1"/>
             <p:extLst>
               <p:ext uri="{D42A27DB-BD31-4B8C-83A1-F6EECF244321}">
-                <p14:modId xmlns:p14="http://schemas.microsoft.com/office/powerpoint/2010/main" val="1833862415"/>
+                <p14:modId xmlns:p14="http://schemas.microsoft.com/office/powerpoint/2010/main" val="3125076467"/>
               </p:ext>
             </p:extLst>
           </p:nvPr>
@@ -14717,9 +14734,6 @@
                         <a:rPr lang="en-US" sz="1800" dirty="0"/>
                         <a:t>Pre-Lab Module</a:t>
                       </a:r>
-                    </a:p>
-                    <a:p>
-                      <a:endParaRPr lang="en-US" sz="1800" dirty="0"/>
                     </a:p>
                   </a:txBody>
                   <a:tcPr marL="90647" marR="90647" marT="45324" marB="45324" anchor="ctr"/>
@@ -14810,6 +14824,7 @@
                 <a:solidFill>
                   <a:schemeClr val="tx1"/>
                 </a:solidFill>
+                <a:latin typeface="+mn-lt"/>
                 <a:hlinkClick r:id="rId2">
                   <a:extLst>
                     <a:ext uri="{A12FA001-AC4F-418D-AE19-62706E023703}">
@@ -14824,6 +14839,7 @@
               <a:solidFill>
                 <a:schemeClr val="tx1"/>
               </a:solidFill>
+              <a:latin typeface="+mn-lt"/>
             </a:endParaRPr>
           </a:p>
         </p:txBody>
@@ -14852,16 +14868,13 @@
           <a:lstStyle/>
           <a:p>
             <a:r>
-              <a:rPr lang="en-US" sz="4400" b="1" dirty="0">
-                <a:latin typeface="+mn-lt"/>
-              </a:rPr>
+              <a:rPr lang="en-US" sz="4400" b="1" dirty="0"/>
               <a:t>Azure Portal Access</a:t>
             </a:r>
             <a:endParaRPr lang="en-US" sz="4400" kern="1200" dirty="0">
               <a:solidFill>
                 <a:schemeClr val="tx1"/>
               </a:solidFill>
-              <a:latin typeface="+mn-lt"/>
               <a:ea typeface="+mj-ea"/>
               <a:cs typeface="+mj-cs"/>
             </a:endParaRPr>
@@ -14871,6 +14884,7 @@
       <p:pic>
         <p:nvPicPr>
           <p:cNvPr id="3" name="Picture 2">
+            <a:hlinkClick r:id="rId2"/>
             <a:extLst>
               <a:ext uri="{FF2B5EF4-FFF2-40B4-BE49-F238E27FC236}">
                 <a16:creationId xmlns:a16="http://schemas.microsoft.com/office/drawing/2014/main" id="{5DE3B57E-BD0C-4B78-A3FC-FFDABB41C5D8}"/>
@@ -14890,8 +14904,8 @@
         </p:blipFill>
         <p:spPr>
           <a:xfrm>
-            <a:off x="2039470" y="1827732"/>
-            <a:ext cx="8113059" cy="4475491"/>
+            <a:off x="2281517" y="1924449"/>
+            <a:ext cx="7628965" cy="4208445"/>
           </a:xfrm>
           <a:prstGeom prst="rect">
             <a:avLst/>
@@ -14949,8 +14963,8 @@
         </p:nvSpPr>
         <p:spPr>
           <a:xfrm>
-            <a:off x="269239" y="1189177"/>
-            <a:ext cx="11653523" cy="1401623"/>
+            <a:off x="269239" y="1189178"/>
+            <a:ext cx="11653523" cy="1181988"/>
           </a:xfrm>
         </p:spPr>
         <p:txBody>
@@ -14960,18 +14974,20 @@
           <a:lstStyle/>
           <a:p>
             <a:r>
-              <a:rPr lang="en-US" sz="2400" dirty="0">
+              <a:rPr lang="en-US" sz="2000" dirty="0">
                 <a:solidFill>
                   <a:schemeClr val="tx1"/>
                 </a:solidFill>
+                <a:latin typeface="+mn-lt"/>
               </a:rPr>
               <a:t>Download and Install Power BI Desktop using this link: </a:t>
             </a:r>
             <a:r>
-              <a:rPr lang="en-US" sz="2400" dirty="0">
+              <a:rPr lang="en-US" sz="2000" dirty="0">
                 <a:solidFill>
                   <a:schemeClr val="tx1"/>
                 </a:solidFill>
+                <a:latin typeface="+mn-lt"/>
                 <a:hlinkClick r:id="rId2">
                   <a:extLst>
                     <a:ext uri="{A12FA001-AC4F-418D-AE19-62706E023703}">
@@ -14982,18 +14998,20 @@
               </a:rPr>
               <a:t>Download Link</a:t>
             </a:r>
-            <a:endParaRPr lang="en-US" sz="2400" dirty="0">
+            <a:endParaRPr lang="en-US" sz="2000" dirty="0">
               <a:solidFill>
                 <a:schemeClr val="tx1"/>
               </a:solidFill>
+              <a:latin typeface="+mn-lt"/>
             </a:endParaRPr>
           </a:p>
           <a:p>
             <a:r>
-              <a:rPr lang="en-US" sz="2400" dirty="0">
+              <a:rPr lang="en-US" sz="2000" dirty="0">
                 <a:solidFill>
                   <a:schemeClr val="tx1"/>
                 </a:solidFill>
+                <a:latin typeface="+mn-lt"/>
                 <a:hlinkClick r:id="rId3">
                   <a:extLst>
                     <a:ext uri="{A12FA001-AC4F-418D-AE19-62706E023703}">
@@ -15004,18 +15022,20 @@
               </a:rPr>
               <a:t>Installation Instructions</a:t>
             </a:r>
-            <a:endParaRPr lang="en-US" sz="2400" dirty="0">
+            <a:endParaRPr lang="en-US" sz="2000" dirty="0">
               <a:solidFill>
                 <a:schemeClr val="tx1"/>
               </a:solidFill>
+              <a:latin typeface="+mn-lt"/>
             </a:endParaRPr>
           </a:p>
           <a:p>
             <a:r>
-              <a:rPr lang="en-US" sz="2400" dirty="0">
+              <a:rPr lang="en-US" sz="2000" dirty="0">
                 <a:solidFill>
                   <a:schemeClr val="tx1"/>
                 </a:solidFill>
+                <a:latin typeface="+mn-lt"/>
               </a:rPr>
               <a:t>Sign-Into Power BI with your Azure Portal credentials.</a:t>
             </a:r>
@@ -15046,16 +15066,13 @@
           <a:lstStyle/>
           <a:p>
             <a:r>
-              <a:rPr lang="en-US" sz="4400" b="1" dirty="0">
-                <a:latin typeface="+mn-lt"/>
-              </a:rPr>
+              <a:rPr lang="en-US" sz="4400" b="1" dirty="0"/>
               <a:t>Power BI Desktop</a:t>
             </a:r>
             <a:endParaRPr lang="en-US" sz="4400" kern="1200" dirty="0">
               <a:solidFill>
                 <a:schemeClr val="tx1"/>
               </a:solidFill>
-              <a:latin typeface="+mn-lt"/>
               <a:ea typeface="+mj-ea"/>
               <a:cs typeface="+mj-cs"/>
             </a:endParaRPr>
@@ -15084,7 +15101,7 @@
         </p:blipFill>
         <p:spPr>
           <a:xfrm>
-            <a:off x="4714875" y="3247215"/>
+            <a:off x="4714875" y="2902073"/>
             <a:ext cx="2762250" cy="2148417"/>
           </a:xfrm>
           <a:prstGeom prst="rect">
@@ -15158,7 +15175,9 @@
               <a:buAutoNum type="arabicPeriod"/>
             </a:pPr>
             <a:r>
-              <a:rPr lang="en-US" sz="2000" dirty="0"/>
+              <a:rPr lang="en-US" sz="2000" dirty="0">
+                <a:latin typeface="+mn-lt"/>
+              </a:rPr>
               <a:t>Download the two Excel files from the GitHub repository onto your local drive</a:t>
             </a:r>
           </a:p>
@@ -15168,7 +15187,9 @@
               <a:buAutoNum type="arabicPeriod"/>
             </a:pPr>
             <a:r>
-              <a:rPr lang="en-US" sz="2000" dirty="0"/>
+              <a:rPr lang="en-US" sz="2000" dirty="0">
+                <a:latin typeface="+mn-lt"/>
+              </a:rPr>
               <a:t>Open Power BI Desktop</a:t>
             </a:r>
           </a:p>
@@ -15178,7 +15199,9 @@
               <a:buAutoNum type="arabicPeriod"/>
             </a:pPr>
             <a:r>
-              <a:rPr lang="en-US" sz="2000" dirty="0"/>
+              <a:rPr lang="en-US" sz="2000" dirty="0">
+                <a:latin typeface="+mn-lt"/>
+              </a:rPr>
               <a:t>Select “Get Data” and then choose “Excel” from the list</a:t>
             </a:r>
           </a:p>
@@ -15188,7 +15211,9 @@
               <a:buAutoNum type="arabicPeriod"/>
             </a:pPr>
             <a:r>
-              <a:rPr lang="en-US" sz="2000" dirty="0"/>
+              <a:rPr lang="en-US" sz="2000" dirty="0">
+                <a:latin typeface="+mn-lt"/>
+              </a:rPr>
               <a:t>Navigate the file explorer to the location of the first Excel files on your local drive and click “Open”</a:t>
             </a:r>
           </a:p>
@@ -15198,7 +15223,9 @@
               <a:buAutoNum type="arabicPeriod"/>
             </a:pPr>
             <a:r>
-              <a:rPr lang="en-US" sz="2000" dirty="0"/>
+              <a:rPr lang="en-US" sz="2000" dirty="0">
+                <a:latin typeface="+mn-lt"/>
+              </a:rPr>
               <a:t>Place a checkbox next to all the Excel sheets to import them all</a:t>
             </a:r>
           </a:p>
@@ -15208,7 +15235,9 @@
               <a:buAutoNum type="arabicPeriod"/>
             </a:pPr>
             <a:r>
-              <a:rPr lang="en-US" sz="2000" dirty="0"/>
+              <a:rPr lang="en-US" sz="2000" dirty="0">
+                <a:latin typeface="+mn-lt"/>
+              </a:rPr>
               <a:t>Repeat steps 4-5 for the second Excel file</a:t>
             </a:r>
           </a:p>
@@ -15238,16 +15267,13 @@
           <a:lstStyle/>
           <a:p>
             <a:r>
-              <a:rPr lang="en-US" sz="4400" b="1" dirty="0">
-                <a:latin typeface="+mn-lt"/>
-              </a:rPr>
+              <a:rPr lang="en-US" sz="4400" b="1" dirty="0"/>
               <a:t>Excel</a:t>
             </a:r>
             <a:endParaRPr lang="en-US" sz="4400" kern="1200" dirty="0">
               <a:solidFill>
                 <a:schemeClr val="tx1"/>
               </a:solidFill>
-              <a:latin typeface="+mn-lt"/>
               <a:ea typeface="+mj-ea"/>
               <a:cs typeface="+mj-cs"/>
             </a:endParaRPr>
@@ -15563,16 +15589,13 @@
           <a:lstStyle/>
           <a:p>
             <a:r>
-              <a:rPr lang="en-US" sz="4400" b="1" dirty="0" err="1">
-                <a:latin typeface="+mn-lt"/>
-              </a:rPr>
+              <a:rPr lang="en-US" sz="4400" b="1" dirty="0" err="1"/>
               <a:t>Bacpac</a:t>
             </a:r>
             <a:endParaRPr lang="en-US" sz="4400" kern="1200" dirty="0">
               <a:solidFill>
                 <a:schemeClr val="tx1"/>
               </a:solidFill>
-              <a:latin typeface="+mn-lt"/>
               <a:ea typeface="+mj-ea"/>
               <a:cs typeface="+mj-cs"/>
             </a:endParaRPr>
@@ -15663,16 +15686,13 @@
           <a:lstStyle/>
           <a:p>
             <a:r>
-              <a:rPr lang="en-US" sz="4400" b="1" dirty="0" err="1">
-                <a:latin typeface="+mn-lt"/>
-              </a:rPr>
+              <a:rPr lang="en-US" sz="4400" b="1" dirty="0" err="1"/>
               <a:t>Dstx</a:t>
             </a:r>
             <a:endParaRPr lang="en-US" sz="4400" kern="1200" dirty="0">
               <a:solidFill>
                 <a:schemeClr val="tx1"/>
               </a:solidFill>
-              <a:latin typeface="+mn-lt"/>
               <a:ea typeface="+mj-ea"/>
               <a:cs typeface="+mj-cs"/>
             </a:endParaRPr>
@@ -16561,15 +16581,6 @@
 </file>
 
 <file path=customXml/item1.xml><?xml version="1.0" encoding="utf-8"?>
-<p:properties xmlns:p="http://schemas.microsoft.com/office/2006/metadata/properties" xmlns:xsi="http://www.w3.org/2001/XMLSchema-instance" xmlns:pc="http://schemas.microsoft.com/office/infopath/2007/PartnerControls">
-  <documentManagement>
-    <_ip_UnifiedCompliancePolicyUIAction xmlns="http://schemas.microsoft.com/sharepoint/v3" xsi:nil="true"/>
-    <_ip_UnifiedCompliancePolicyProperties xmlns="http://schemas.microsoft.com/sharepoint/v3" xsi:nil="true"/>
-  </documentManagement>
-</p:properties>
-</file>
-
-<file path=customXml/item2.xml><?xml version="1.0" encoding="utf-8"?>
 <ct:contentTypeSchema xmlns:ct="http://schemas.microsoft.com/office/2006/metadata/contentType" xmlns:ma="http://schemas.microsoft.com/office/2006/metadata/properties/metaAttributes" ct:_="" ma:_="" ma:contentTypeName="Document" ma:contentTypeID="0x010100D15DFA3690A15B4081582BBCC6BEAC3E" ma:contentTypeVersion="9" ma:contentTypeDescription="Create a new document." ma:contentTypeScope="" ma:versionID="642da1784587cbe85a7fdbbe4dc36103">
   <xsd:schema xmlns:xsd="http://www.w3.org/2001/XMLSchema" xmlns:xs="http://www.w3.org/2001/XMLSchema" xmlns:p="http://schemas.microsoft.com/office/2006/metadata/properties" xmlns:ns1="http://schemas.microsoft.com/sharepoint/v3" xmlns:ns2="2023ac63-7b75-4916-a9ee-591457758eee" xmlns:ns3="d9c797ad-d7c3-4982-82b7-81352a75e4a5" targetNamespace="http://schemas.microsoft.com/office/2006/metadata/properties" ma:root="true" ma:fieldsID="91198b0246576053cc55dd2c67035a89" ns1:_="" ns2:_="" ns3:_="">
     <xsd:import namespace="http://schemas.microsoft.com/sharepoint/v3"/>
@@ -16771,6 +16782,15 @@
 </ct:contentTypeSchema>
 </file>
 
+<file path=customXml/item2.xml><?xml version="1.0" encoding="utf-8"?>
+<p:properties xmlns:p="http://schemas.microsoft.com/office/2006/metadata/properties" xmlns:xsi="http://www.w3.org/2001/XMLSchema-instance" xmlns:pc="http://schemas.microsoft.com/office/infopath/2007/PartnerControls">
+  <documentManagement>
+    <_ip_UnifiedCompliancePolicyUIAction xmlns="http://schemas.microsoft.com/sharepoint/v3" xsi:nil="true"/>
+    <_ip_UnifiedCompliancePolicyProperties xmlns="http://schemas.microsoft.com/sharepoint/v3" xsi:nil="true"/>
+  </documentManagement>
+</p:properties>
+</file>
+
 <file path=customXml/item3.xml><?xml version="1.0" encoding="utf-8"?>
 <?mso-contentType ?>
 <FormTemplates xmlns="http://schemas.microsoft.com/sharepoint/v3/contenttype/forms">
@@ -16781,24 +16801,6 @@
 </file>
 
 <file path=customXml/itemProps1.xml><?xml version="1.0" encoding="utf-8"?>
-<ds:datastoreItem xmlns:ds="http://schemas.openxmlformats.org/officeDocument/2006/customXml" ds:itemID="{BAF7D529-36AB-45DA-B239-2F912F2D1610}">
-  <ds:schemaRefs>
-    <ds:schemaRef ds:uri="http://schemas.microsoft.com/office/2006/metadata/properties"/>
-    <ds:schemaRef ds:uri="d9c797ad-d7c3-4982-82b7-81352a75e4a5"/>
-    <ds:schemaRef ds:uri="http://purl.org/dc/terms/"/>
-    <ds:schemaRef ds:uri="2023ac63-7b75-4916-a9ee-591457758eee"/>
-    <ds:schemaRef ds:uri="http://purl.org/dc/elements/1.1/"/>
-    <ds:schemaRef ds:uri="http://schemas.openxmlformats.org/package/2006/metadata/core-properties"/>
-    <ds:schemaRef ds:uri="http://purl.org/dc/dcmitype/"/>
-    <ds:schemaRef ds:uri="http://schemas.microsoft.com/office/2006/documentManagement/types"/>
-    <ds:schemaRef ds:uri="http://schemas.microsoft.com/office/infopath/2007/PartnerControls"/>
-    <ds:schemaRef ds:uri="http://schemas.microsoft.com/sharepoint/v3"/>
-    <ds:schemaRef ds:uri="http://www.w3.org/XML/1998/namespace"/>
-  </ds:schemaRefs>
-</ds:datastoreItem>
-</file>
-
-<file path=customXml/itemProps2.xml><?xml version="1.0" encoding="utf-8"?>
 <ds:datastoreItem xmlns:ds="http://schemas.openxmlformats.org/officeDocument/2006/customXml" ds:itemID="{255F5BEB-6AD6-480A-8556-C80C5EBC10F2}">
   <ds:schemaRefs>
     <ds:schemaRef ds:uri="http://schemas.microsoft.com/office/2006/metadata/contentType"/>
@@ -16818,6 +16820,24 @@
 </ds:datastoreItem>
 </file>
 
+<file path=customXml/itemProps2.xml><?xml version="1.0" encoding="utf-8"?>
+<ds:datastoreItem xmlns:ds="http://schemas.openxmlformats.org/officeDocument/2006/customXml" ds:itemID="{BAF7D529-36AB-45DA-B239-2F912F2D1610}">
+  <ds:schemaRefs>
+    <ds:schemaRef ds:uri="http://schemas.microsoft.com/office/2006/metadata/properties"/>
+    <ds:schemaRef ds:uri="d9c797ad-d7c3-4982-82b7-81352a75e4a5"/>
+    <ds:schemaRef ds:uri="http://purl.org/dc/terms/"/>
+    <ds:schemaRef ds:uri="2023ac63-7b75-4916-a9ee-591457758eee"/>
+    <ds:schemaRef ds:uri="http://purl.org/dc/elements/1.1/"/>
+    <ds:schemaRef ds:uri="http://schemas.openxmlformats.org/package/2006/metadata/core-properties"/>
+    <ds:schemaRef ds:uri="http://purl.org/dc/dcmitype/"/>
+    <ds:schemaRef ds:uri="http://schemas.microsoft.com/office/2006/documentManagement/types"/>
+    <ds:schemaRef ds:uri="http://schemas.microsoft.com/office/infopath/2007/PartnerControls"/>
+    <ds:schemaRef ds:uri="http://schemas.microsoft.com/sharepoint/v3"/>
+    <ds:schemaRef ds:uri="http://www.w3.org/XML/1998/namespace"/>
+  </ds:schemaRefs>
+</ds:datastoreItem>
+</file>
+
 <file path=customXml/itemProps3.xml><?xml version="1.0" encoding="utf-8"?>
 <ds:datastoreItem xmlns:ds="http://schemas.openxmlformats.org/officeDocument/2006/customXml" ds:itemID="{F18501AF-04CF-4482-BAE1-607B49DDC378}">
   <ds:schemaRefs>

--- a/4. Hands-on Modules/1. Pre-Lab Work/2. Pre-lab Module.pptx
+++ b/4. Hands-on Modules/1. Pre-Lab Work/2. Pre-lab Module.pptx
@@ -16,8 +16,8 @@
     <p:sldId id="265" r:id="rId10"/>
     <p:sldId id="336" r:id="rId11"/>
     <p:sldId id="337" r:id="rId12"/>
-    <p:sldId id="338" r:id="rId13"/>
-    <p:sldId id="339" r:id="rId14"/>
+    <p:sldId id="339" r:id="rId13"/>
+    <p:sldId id="338" r:id="rId14"/>
     <p:sldId id="340" r:id="rId15"/>
     <p:sldId id="341" r:id="rId16"/>
     <p:sldId id="333" r:id="rId17"/>
@@ -219,7 +219,7 @@
           <a:p>
             <a:fld id="{52A13B17-C506-4D51-BB37-16B365906619}" type="datetimeFigureOut">
               <a:rPr lang="en-US" smtClean="0"/>
-              <a:t>3/4/2019</a:t>
+              <a:t>3/5/2019</a:t>
             </a:fld>
             <a:endParaRPr lang="en-US"/>
           </a:p>
@@ -768,7 +768,7 @@
           <a:p>
             <a:fld id="{35A2D088-BDBD-41A5-ADCE-5C6A4DC08057}" type="datetime8">
               <a:rPr lang="en-US" smtClean="0"/>
-              <a:t>3/4/2019 11:55 AM</a:t>
+              <a:t>3/5/2019 1:11 AM</a:t>
             </a:fld>
             <a:endParaRPr lang="en-US" dirty="0"/>
           </a:p>
@@ -1033,7 +1033,7 @@
           <a:p>
             <a:fld id="{35A2D088-BDBD-41A5-ADCE-5C6A4DC08057}" type="datetime8">
               <a:rPr lang="en-US" smtClean="0"/>
-              <a:t>3/4/2019 11:55 AM</a:t>
+              <a:t>3/5/2019 1:11 AM</a:t>
             </a:fld>
             <a:endParaRPr lang="en-US" dirty="0"/>
           </a:p>
@@ -1183,7 +1183,7 @@
                   <a:prstClr val="black"/>
                 </a:solidFill>
               </a:rPr>
-              <a:t>3/4/2019 11:55 AM</a:t>
+              <a:t>3/5/2019 1:11 AM</a:t>
             </a:fld>
             <a:endParaRPr lang="en-US" dirty="0">
               <a:solidFill>
@@ -11329,7 +11329,7 @@
             <a:fld id="{2E809A50-B28D-413A-915D-87F91E5248C6}" type="datetimeFigureOut">
               <a:rPr lang="en-US" smtClean="0"/>
               <a:pPr/>
-              <a:t>3/4/2019</a:t>
+              <a:t>3/5/2019</a:t>
             </a:fld>
             <a:endParaRPr lang="en-US"/>
           </a:p>
@@ -11516,7 +11516,7 @@
           <a:p>
             <a:fld id="{1279C872-40C5-4778-A459-913B2790679C}" type="datetimeFigureOut">
               <a:rPr lang="en-US" smtClean="0"/>
-              <a:t>3/4/2019</a:t>
+              <a:t>3/5/2019</a:t>
             </a:fld>
             <a:endParaRPr lang="en-US"/>
           </a:p>
@@ -15590,7 +15590,7 @@
           <a:p>
             <a:r>
               <a:rPr lang="en-US" sz="4400" b="1" dirty="0" err="1"/>
-              <a:t>Bacpac</a:t>
+              <a:t>Dstx</a:t>
             </a:r>
             <a:endParaRPr lang="en-US" sz="4400" kern="1200" dirty="0">
               <a:solidFill>
@@ -15605,7 +15605,7 @@
     </p:spTree>
     <p:extLst>
       <p:ext uri="{BB962C8B-B14F-4D97-AF65-F5344CB8AC3E}">
-        <p14:creationId xmlns:p14="http://schemas.microsoft.com/office/powerpoint/2010/main" val="2595170137"/>
+        <p14:creationId xmlns:p14="http://schemas.microsoft.com/office/powerpoint/2010/main" val="3427644120"/>
       </p:ext>
     </p:extLst>
   </p:cSld>
@@ -15687,7 +15687,7 @@
           <a:p>
             <a:r>
               <a:rPr lang="en-US" sz="4400" b="1" dirty="0" err="1"/>
-              <a:t>Dstx</a:t>
+              <a:t>Bacpac</a:t>
             </a:r>
             <a:endParaRPr lang="en-US" sz="4400" kern="1200" dirty="0">
               <a:solidFill>
@@ -15702,7 +15702,7 @@
     </p:spTree>
     <p:extLst>
       <p:ext uri="{BB962C8B-B14F-4D97-AF65-F5344CB8AC3E}">
-        <p14:creationId xmlns:p14="http://schemas.microsoft.com/office/powerpoint/2010/main" val="3427644120"/>
+        <p14:creationId xmlns:p14="http://schemas.microsoft.com/office/powerpoint/2010/main" val="2595170137"/>
       </p:ext>
     </p:extLst>
   </p:cSld>
@@ -16581,6 +16581,15 @@
 </file>
 
 <file path=customXml/item1.xml><?xml version="1.0" encoding="utf-8"?>
+<p:properties xmlns:p="http://schemas.microsoft.com/office/2006/metadata/properties" xmlns:xsi="http://www.w3.org/2001/XMLSchema-instance" xmlns:pc="http://schemas.microsoft.com/office/infopath/2007/PartnerControls">
+  <documentManagement>
+    <_ip_UnifiedCompliancePolicyUIAction xmlns="http://schemas.microsoft.com/sharepoint/v3" xsi:nil="true"/>
+    <_ip_UnifiedCompliancePolicyProperties xmlns="http://schemas.microsoft.com/sharepoint/v3" xsi:nil="true"/>
+  </documentManagement>
+</p:properties>
+</file>
+
+<file path=customXml/item2.xml><?xml version="1.0" encoding="utf-8"?>
 <ct:contentTypeSchema xmlns:ct="http://schemas.microsoft.com/office/2006/metadata/contentType" xmlns:ma="http://schemas.microsoft.com/office/2006/metadata/properties/metaAttributes" ct:_="" ma:_="" ma:contentTypeName="Document" ma:contentTypeID="0x010100D15DFA3690A15B4081582BBCC6BEAC3E" ma:contentTypeVersion="9" ma:contentTypeDescription="Create a new document." ma:contentTypeScope="" ma:versionID="642da1784587cbe85a7fdbbe4dc36103">
   <xsd:schema xmlns:xsd="http://www.w3.org/2001/XMLSchema" xmlns:xs="http://www.w3.org/2001/XMLSchema" xmlns:p="http://schemas.microsoft.com/office/2006/metadata/properties" xmlns:ns1="http://schemas.microsoft.com/sharepoint/v3" xmlns:ns2="2023ac63-7b75-4916-a9ee-591457758eee" xmlns:ns3="d9c797ad-d7c3-4982-82b7-81352a75e4a5" targetNamespace="http://schemas.microsoft.com/office/2006/metadata/properties" ma:root="true" ma:fieldsID="91198b0246576053cc55dd2c67035a89" ns1:_="" ns2:_="" ns3:_="">
     <xsd:import namespace="http://schemas.microsoft.com/sharepoint/v3"/>
@@ -16782,15 +16791,6 @@
 </ct:contentTypeSchema>
 </file>
 
-<file path=customXml/item2.xml><?xml version="1.0" encoding="utf-8"?>
-<p:properties xmlns:p="http://schemas.microsoft.com/office/2006/metadata/properties" xmlns:xsi="http://www.w3.org/2001/XMLSchema-instance" xmlns:pc="http://schemas.microsoft.com/office/infopath/2007/PartnerControls">
-  <documentManagement>
-    <_ip_UnifiedCompliancePolicyUIAction xmlns="http://schemas.microsoft.com/sharepoint/v3" xsi:nil="true"/>
-    <_ip_UnifiedCompliancePolicyProperties xmlns="http://schemas.microsoft.com/sharepoint/v3" xsi:nil="true"/>
-  </documentManagement>
-</p:properties>
-</file>
-
 <file path=customXml/item3.xml><?xml version="1.0" encoding="utf-8"?>
 <?mso-contentType ?>
 <FormTemplates xmlns="http://schemas.microsoft.com/sharepoint/v3/contenttype/forms">
@@ -16801,6 +16801,24 @@
 </file>
 
 <file path=customXml/itemProps1.xml><?xml version="1.0" encoding="utf-8"?>
+<ds:datastoreItem xmlns:ds="http://schemas.openxmlformats.org/officeDocument/2006/customXml" ds:itemID="{BAF7D529-36AB-45DA-B239-2F912F2D1610}">
+  <ds:schemaRefs>
+    <ds:schemaRef ds:uri="http://schemas.microsoft.com/office/2006/metadata/properties"/>
+    <ds:schemaRef ds:uri="d9c797ad-d7c3-4982-82b7-81352a75e4a5"/>
+    <ds:schemaRef ds:uri="http://purl.org/dc/terms/"/>
+    <ds:schemaRef ds:uri="2023ac63-7b75-4916-a9ee-591457758eee"/>
+    <ds:schemaRef ds:uri="http://purl.org/dc/elements/1.1/"/>
+    <ds:schemaRef ds:uri="http://schemas.openxmlformats.org/package/2006/metadata/core-properties"/>
+    <ds:schemaRef ds:uri="http://purl.org/dc/dcmitype/"/>
+    <ds:schemaRef ds:uri="http://schemas.microsoft.com/office/2006/documentManagement/types"/>
+    <ds:schemaRef ds:uri="http://schemas.microsoft.com/office/infopath/2007/PartnerControls"/>
+    <ds:schemaRef ds:uri="http://schemas.microsoft.com/sharepoint/v3"/>
+    <ds:schemaRef ds:uri="http://www.w3.org/XML/1998/namespace"/>
+  </ds:schemaRefs>
+</ds:datastoreItem>
+</file>
+
+<file path=customXml/itemProps2.xml><?xml version="1.0" encoding="utf-8"?>
 <ds:datastoreItem xmlns:ds="http://schemas.openxmlformats.org/officeDocument/2006/customXml" ds:itemID="{255F5BEB-6AD6-480A-8556-C80C5EBC10F2}">
   <ds:schemaRefs>
     <ds:schemaRef ds:uri="http://schemas.microsoft.com/office/2006/metadata/contentType"/>
@@ -16820,24 +16838,6 @@
 </ds:datastoreItem>
 </file>
 
-<file path=customXml/itemProps2.xml><?xml version="1.0" encoding="utf-8"?>
-<ds:datastoreItem xmlns:ds="http://schemas.openxmlformats.org/officeDocument/2006/customXml" ds:itemID="{BAF7D529-36AB-45DA-B239-2F912F2D1610}">
-  <ds:schemaRefs>
-    <ds:schemaRef ds:uri="http://schemas.microsoft.com/office/2006/metadata/properties"/>
-    <ds:schemaRef ds:uri="d9c797ad-d7c3-4982-82b7-81352a75e4a5"/>
-    <ds:schemaRef ds:uri="http://purl.org/dc/terms/"/>
-    <ds:schemaRef ds:uri="2023ac63-7b75-4916-a9ee-591457758eee"/>
-    <ds:schemaRef ds:uri="http://purl.org/dc/elements/1.1/"/>
-    <ds:schemaRef ds:uri="http://schemas.openxmlformats.org/package/2006/metadata/core-properties"/>
-    <ds:schemaRef ds:uri="http://purl.org/dc/dcmitype/"/>
-    <ds:schemaRef ds:uri="http://schemas.microsoft.com/office/2006/documentManagement/types"/>
-    <ds:schemaRef ds:uri="http://schemas.microsoft.com/office/infopath/2007/PartnerControls"/>
-    <ds:schemaRef ds:uri="http://schemas.microsoft.com/sharepoint/v3"/>
-    <ds:schemaRef ds:uri="http://www.w3.org/XML/1998/namespace"/>
-  </ds:schemaRefs>
-</ds:datastoreItem>
-</file>
-
 <file path=customXml/itemProps3.xml><?xml version="1.0" encoding="utf-8"?>
 <ds:datastoreItem xmlns:ds="http://schemas.openxmlformats.org/officeDocument/2006/customXml" ds:itemID="{F18501AF-04CF-4482-BAE1-607B49DDC378}">
   <ds:schemaRefs>
